--- a/MiniProject/mini-project 400.pptx
+++ b/MiniProject/mini-project 400.pptx
@@ -5038,7 +5038,7 @@
         <p:spPr>
           <a:xfrm>
             <a:off x="7395499" y="4545788"/>
-            <a:ext cx="3429087" cy="907941"/>
+            <a:ext cx="3429087" cy="1800493"/>
           </a:xfrm>
           <a:prstGeom prst="rect">
             <a:avLst/>
@@ -5059,6 +5059,23 @@
               <a:buAutoNum type="arabicPeriod"/>
             </a:pPr>
             <a:r>
+              <a:rPr lang="en-US" sz="2400" b="1" dirty="0">
+                <a:solidFill>
+                  <a:srgbClr val="0D0D0D"/>
+                </a:solidFill>
+              </a:rPr>
+              <a:t>Informed Consent</a:t>
+            </a:r>
+          </a:p>
+          <a:p>
+            <a:pPr defTabSz="841248">
+              <a:spcAft>
+                <a:spcPts val="600"/>
+              </a:spcAft>
+              <a:buFont typeface="+mj-lt"/>
+              <a:buAutoNum type="arabicPeriod"/>
+            </a:pPr>
+            <a:r>
               <a:rPr lang="en-US" sz="2400" b="1" i="0" u="none" strike="noStrike" dirty="0">
                 <a:solidFill>
                   <a:srgbClr val="0D0D0D"/>
@@ -5067,6 +5084,29 @@
               </a:rPr>
               <a:t>Public Health</a:t>
             </a:r>
+          </a:p>
+          <a:p>
+            <a:pPr defTabSz="841248">
+              <a:spcAft>
+                <a:spcPts val="600"/>
+              </a:spcAft>
+              <a:buFont typeface="+mj-lt"/>
+              <a:buAutoNum type="arabicPeriod"/>
+            </a:pPr>
+            <a:r>
+              <a:rPr lang="en-US" sz="2400" b="1" dirty="0">
+                <a:solidFill>
+                  <a:srgbClr val="0D0D0D"/>
+                </a:solidFill>
+              </a:rPr>
+              <a:t> Liability</a:t>
+            </a:r>
+            <a:endParaRPr lang="en-US" sz="2400" b="1" i="0" u="none" strike="noStrike" dirty="0">
+              <a:solidFill>
+                <a:srgbClr val="0D0D0D"/>
+              </a:solidFill>
+              <a:effectLst/>
+            </a:endParaRPr>
           </a:p>
           <a:p>
             <a:pPr defTabSz="841248">
